--- a/Playground Adventures!.pptx
+++ b/Playground Adventures!.pptx
@@ -158,7 +158,6 @@
               <a:rPr lang="en-US"/>
               <a:t>Click to edit Master title style</a:t>
             </a:r>
-            <a:endParaRPr lang="en-US"/>
           </a:p>
         </p:txBody>
       </p:sp>
@@ -223,7 +222,6 @@
               <a:rPr lang="en-US"/>
               <a:t>Click to edit Master subtitle style</a:t>
             </a:r>
-            <a:endParaRPr lang="en-US"/>
           </a:p>
         </p:txBody>
       </p:sp>
@@ -244,7 +242,7 @@
           <a:p>
             <a:fld id="{B1EE545C-D1B2-4DD6-B83B-7D6D0BDEEF30}" type="datetimeFigureOut">
               <a:rPr lang="en-US" smtClean="0"/>
-              <a:t>4/4/2017</a:t>
+              <a:t>4/4/17</a:t>
             </a:fld>
             <a:endParaRPr lang="en-US"/>
           </a:p>
@@ -341,7 +339,6 @@
               <a:rPr lang="en-US"/>
               <a:t>Click to edit Master title style</a:t>
             </a:r>
-            <a:endParaRPr lang="en-US"/>
           </a:p>
         </p:txBody>
       </p:sp>
@@ -393,7 +390,6 @@
               <a:rPr lang="en-US"/>
               <a:t>Fifth level</a:t>
             </a:r>
-            <a:endParaRPr lang="en-US"/>
           </a:p>
         </p:txBody>
       </p:sp>
@@ -414,7 +410,7 @@
           <a:p>
             <a:fld id="{B1EE545C-D1B2-4DD6-B83B-7D6D0BDEEF30}" type="datetimeFigureOut">
               <a:rPr lang="en-US" smtClean="0"/>
-              <a:t>4/4/2017</a:t>
+              <a:t>4/4/17</a:t>
             </a:fld>
             <a:endParaRPr lang="en-US"/>
           </a:p>
@@ -516,7 +512,6 @@
               <a:rPr lang="en-US"/>
               <a:t>Click to edit Master title style</a:t>
             </a:r>
-            <a:endParaRPr lang="en-US"/>
           </a:p>
         </p:txBody>
       </p:sp>
@@ -573,7 +568,6 @@
               <a:rPr lang="en-US"/>
               <a:t>Fifth level</a:t>
             </a:r>
-            <a:endParaRPr lang="en-US"/>
           </a:p>
         </p:txBody>
       </p:sp>
@@ -594,7 +588,7 @@
           <a:p>
             <a:fld id="{B1EE545C-D1B2-4DD6-B83B-7D6D0BDEEF30}" type="datetimeFigureOut">
               <a:rPr lang="en-US" smtClean="0"/>
-              <a:t>4/4/2017</a:t>
+              <a:t>4/4/17</a:t>
             </a:fld>
             <a:endParaRPr lang="en-US"/>
           </a:p>
@@ -691,7 +685,6 @@
               <a:rPr lang="en-US"/>
               <a:t>Click to edit Master title style</a:t>
             </a:r>
-            <a:endParaRPr lang="en-US"/>
           </a:p>
         </p:txBody>
       </p:sp>
@@ -743,7 +736,6 @@
               <a:rPr lang="en-US"/>
               <a:t>Fifth level</a:t>
             </a:r>
-            <a:endParaRPr lang="en-US"/>
           </a:p>
         </p:txBody>
       </p:sp>
@@ -764,7 +756,7 @@
           <a:p>
             <a:fld id="{B1EE545C-D1B2-4DD6-B83B-7D6D0BDEEF30}" type="datetimeFigureOut">
               <a:rPr lang="en-US" smtClean="0"/>
-              <a:t>4/4/2017</a:t>
+              <a:t>4/4/17</a:t>
             </a:fld>
             <a:endParaRPr lang="en-US"/>
           </a:p>
@@ -870,7 +862,6 @@
               <a:rPr lang="en-US"/>
               <a:t>Click to edit Master title style</a:t>
             </a:r>
-            <a:endParaRPr lang="en-US"/>
           </a:p>
         </p:txBody>
       </p:sp>
@@ -1010,7 +1001,7 @@
           <a:p>
             <a:fld id="{B1EE545C-D1B2-4DD6-B83B-7D6D0BDEEF30}" type="datetimeFigureOut">
               <a:rPr lang="en-US" smtClean="0"/>
-              <a:t>4/4/2017</a:t>
+              <a:t>4/4/17</a:t>
             </a:fld>
             <a:endParaRPr lang="en-US"/>
           </a:p>
@@ -1107,7 +1098,6 @@
               <a:rPr lang="en-US"/>
               <a:t>Click to edit Master title style</a:t>
             </a:r>
-            <a:endParaRPr lang="en-US"/>
           </a:p>
         </p:txBody>
       </p:sp>
@@ -1164,7 +1154,6 @@
               <a:rPr lang="en-US"/>
               <a:t>Fifth level</a:t>
             </a:r>
-            <a:endParaRPr lang="en-US"/>
           </a:p>
         </p:txBody>
       </p:sp>
@@ -1221,7 +1210,6 @@
               <a:rPr lang="en-US"/>
               <a:t>Fifth level</a:t>
             </a:r>
-            <a:endParaRPr lang="en-US"/>
           </a:p>
         </p:txBody>
       </p:sp>
@@ -1242,7 +1230,7 @@
           <a:p>
             <a:fld id="{B1EE545C-D1B2-4DD6-B83B-7D6D0BDEEF30}" type="datetimeFigureOut">
               <a:rPr lang="en-US" smtClean="0"/>
-              <a:t>4/4/2017</a:t>
+              <a:t>4/4/17</a:t>
             </a:fld>
             <a:endParaRPr lang="en-US"/>
           </a:p>
@@ -1344,7 +1332,6 @@
               <a:rPr lang="en-US"/>
               <a:t>Click to edit Master title style</a:t>
             </a:r>
-            <a:endParaRPr lang="en-US"/>
           </a:p>
         </p:txBody>
       </p:sp>
@@ -1466,7 +1453,6 @@
               <a:rPr lang="en-US"/>
               <a:t>Fifth level</a:t>
             </a:r>
-            <a:endParaRPr lang="en-US"/>
           </a:p>
         </p:txBody>
       </p:sp>
@@ -1588,7 +1574,6 @@
               <a:rPr lang="en-US"/>
               <a:t>Fifth level</a:t>
             </a:r>
-            <a:endParaRPr lang="en-US"/>
           </a:p>
         </p:txBody>
       </p:sp>
@@ -1609,7 +1594,7 @@
           <a:p>
             <a:fld id="{B1EE545C-D1B2-4DD6-B83B-7D6D0BDEEF30}" type="datetimeFigureOut">
               <a:rPr lang="en-US" smtClean="0"/>
-              <a:t>4/4/2017</a:t>
+              <a:t>4/4/17</a:t>
             </a:fld>
             <a:endParaRPr lang="en-US"/>
           </a:p>
@@ -1706,7 +1691,6 @@
               <a:rPr lang="en-US"/>
               <a:t>Click to edit Master title style</a:t>
             </a:r>
-            <a:endParaRPr lang="en-US"/>
           </a:p>
         </p:txBody>
       </p:sp>
@@ -1727,7 +1711,7 @@
           <a:p>
             <a:fld id="{B1EE545C-D1B2-4DD6-B83B-7D6D0BDEEF30}" type="datetimeFigureOut">
               <a:rPr lang="en-US" smtClean="0"/>
-              <a:t>4/4/2017</a:t>
+              <a:t>4/4/17</a:t>
             </a:fld>
             <a:endParaRPr lang="en-US"/>
           </a:p>
@@ -1822,7 +1806,7 @@
           <a:p>
             <a:fld id="{B1EE545C-D1B2-4DD6-B83B-7D6D0BDEEF30}" type="datetimeFigureOut">
               <a:rPr lang="en-US" smtClean="0"/>
-              <a:t>4/4/2017</a:t>
+              <a:t>4/4/17</a:t>
             </a:fld>
             <a:endParaRPr lang="en-US"/>
           </a:p>
@@ -1928,7 +1912,6 @@
               <a:rPr lang="en-US"/>
               <a:t>Click to edit Master title style</a:t>
             </a:r>
-            <a:endParaRPr lang="en-US"/>
           </a:p>
         </p:txBody>
       </p:sp>
@@ -2013,7 +1996,6 @@
               <a:rPr lang="en-US"/>
               <a:t>Fifth level</a:t>
             </a:r>
-            <a:endParaRPr lang="en-US"/>
           </a:p>
         </p:txBody>
       </p:sp>
@@ -2099,7 +2081,7 @@
           <a:p>
             <a:fld id="{B1EE545C-D1B2-4DD6-B83B-7D6D0BDEEF30}" type="datetimeFigureOut">
               <a:rPr lang="en-US" smtClean="0"/>
-              <a:t>4/4/2017</a:t>
+              <a:t>4/4/17</a:t>
             </a:fld>
             <a:endParaRPr lang="en-US"/>
           </a:p>
@@ -2205,7 +2187,6 @@
               <a:rPr lang="en-US"/>
               <a:t>Click to edit Master title style</a:t>
             </a:r>
-            <a:endParaRPr lang="en-US"/>
           </a:p>
         </p:txBody>
       </p:sp>
@@ -2352,7 +2333,7 @@
           <a:p>
             <a:fld id="{B1EE545C-D1B2-4DD6-B83B-7D6D0BDEEF30}" type="datetimeFigureOut">
               <a:rPr lang="en-US" smtClean="0"/>
-              <a:t>4/4/2017</a:t>
+              <a:t>4/4/17</a:t>
             </a:fld>
             <a:endParaRPr lang="en-US"/>
           </a:p>
@@ -2464,7 +2445,6 @@
               <a:rPr lang="en-US"/>
               <a:t>Click to edit Master title style</a:t>
             </a:r>
-            <a:endParaRPr lang="en-US"/>
           </a:p>
         </p:txBody>
       </p:sp>
@@ -2526,7 +2506,6 @@
               <a:rPr lang="en-US"/>
               <a:t>Fifth level</a:t>
             </a:r>
-            <a:endParaRPr lang="en-US"/>
           </a:p>
         </p:txBody>
       </p:sp>
@@ -2565,7 +2544,7 @@
           <a:p>
             <a:fld id="{B1EE545C-D1B2-4DD6-B83B-7D6D0BDEEF30}" type="datetimeFigureOut">
               <a:rPr lang="en-US" smtClean="0"/>
-              <a:t>4/4/2017</a:t>
+              <a:t>4/4/17</a:t>
             </a:fld>
             <a:endParaRPr lang="en-US"/>
           </a:p>
@@ -3031,10 +3010,11 @@
           <a:lstStyle/>
           <a:p>
             <a:r>
-              <a:rPr lang="en-US">
+              <a:rPr lang="en-US" dirty="0">
                 <a:solidFill>
                   <a:srgbClr val="FFFFFF"/>
                 </a:solidFill>
+                <a:latin typeface="Doctor Soos Bold"/>
               </a:rPr>
               <a:t>Playground Adventures! </a:t>
             </a:r>
@@ -3073,6 +3053,7 @@
                 <a:solidFill>
                   <a:srgbClr val="FFFFFF"/>
                 </a:solidFill>
+                <a:latin typeface="Doctor Soos Bold"/>
               </a:rPr>
               <a:t>Alfred </a:t>
             </a:r>
@@ -3081,6 +3062,7 @@
                 <a:solidFill>
                   <a:srgbClr val="FFFFFF"/>
                 </a:solidFill>
+                <a:latin typeface="Doctor Soos Bold"/>
               </a:rPr>
               <a:t>Avor</a:t>
             </a:r>
@@ -3088,6 +3070,7 @@
               <a:solidFill>
                 <a:srgbClr val="FFFFFF"/>
               </a:solidFill>
+              <a:latin typeface="Doctor Soos Bold"/>
             </a:endParaRPr>
           </a:p>
           <a:p>
@@ -3101,6 +3084,7 @@
                 <a:solidFill>
                   <a:srgbClr val="FFFFFF"/>
                 </a:solidFill>
+                <a:latin typeface="Doctor Soos Bold"/>
               </a:rPr>
               <a:t>Meagan Gallagher </a:t>
             </a:r>
@@ -3116,6 +3100,7 @@
                 <a:solidFill>
                   <a:srgbClr val="FFFFFF"/>
                 </a:solidFill>
+                <a:latin typeface="Doctor Soos Bold"/>
               </a:rPr>
               <a:t>Jane Claire </a:t>
             </a:r>
@@ -3124,6 +3109,7 @@
                 <a:solidFill>
                   <a:srgbClr val="FFFFFF"/>
                 </a:solidFill>
+                <a:latin typeface="Doctor Soos Bold"/>
               </a:rPr>
               <a:t>Remick</a:t>
             </a:r>
@@ -3132,6 +3118,7 @@
                 <a:solidFill>
                   <a:srgbClr val="FFFFFF"/>
                 </a:solidFill>
+                <a:latin typeface="Doctor Soos Bold"/>
               </a:rPr>
               <a:t> </a:t>
             </a:r>
@@ -3147,6 +3134,7 @@
                 <a:solidFill>
                   <a:srgbClr val="FFFFFF"/>
                 </a:solidFill>
+                <a:latin typeface="Doctor Soos Bold"/>
               </a:rPr>
               <a:t>Cyrus Voss</a:t>
             </a:r>
@@ -3163,6 +3151,13 @@
   <p:clrMapOvr>
     <a:overrideClrMapping bg1="dk1" tx1="lt1" bg2="dk2" tx2="lt2" accent1="accent1" accent2="accent2" accent3="accent3" accent4="accent4" accent5="accent5" accent6="accent6" hlink="hlink" folHlink="folHlink"/>
   </p:clrMapOvr>
+  <p:timing>
+    <p:tnLst>
+      <p:par>
+        <p:cTn xmlns:p14="http://schemas.microsoft.com/office/powerpoint/2010/main" id="1" dur="indefinite" restart="never" nodeType="tmRoot"/>
+      </p:par>
+    </p:tnLst>
+  </p:timing>
 </p:sld>
 </file>
 
@@ -3200,7 +3195,9 @@
           <a:p>
             <a:pPr algn="ctr"/>
             <a:r>
-              <a:rPr lang="en-US" dirty="0"/>
+              <a:rPr lang="en-US" dirty="0">
+                <a:latin typeface="Doctor Soos Bold"/>
+              </a:rPr>
               <a:t>The Motivation </a:t>
             </a:r>
           </a:p>
@@ -3227,9 +3224,32 @@
           <a:lstStyle/>
           <a:p>
             <a:r>
-              <a:rPr lang="en-US" dirty="0"/>
-              <a:t>To take moments like these …. </a:t>
-            </a:r>
+              <a:rPr lang="en-US" dirty="0">
+                <a:latin typeface="Doctor Soos Bold"/>
+              </a:rPr>
+              <a:t>To take moments like </a:t>
+            </a:r>
+            <a:r>
+              <a:rPr lang="en-US" dirty="0" smtClean="0">
+                <a:latin typeface="Doctor Soos Bold"/>
+              </a:rPr>
+              <a:t>these</a:t>
+            </a:r>
+            <a:r>
+              <a:rPr lang="mr-IN" dirty="0" smtClean="0">
+                <a:latin typeface="Doctor Soos Bold"/>
+              </a:rPr>
+              <a:t>…</a:t>
+            </a:r>
+            <a:r>
+              <a:rPr lang="en-US" dirty="0" smtClean="0">
+                <a:latin typeface="Doctor Soos Bold"/>
+              </a:rPr>
+              <a:t>. </a:t>
+            </a:r>
+            <a:endParaRPr lang="en-US" dirty="0">
+              <a:latin typeface="Doctor Soos Bold"/>
+            </a:endParaRPr>
           </a:p>
         </p:txBody>
       </p:sp>
@@ -3442,6 +3462,13 @@
   <p:clrMapOvr>
     <a:masterClrMapping/>
   </p:clrMapOvr>
+  <p:timing>
+    <p:tnLst>
+      <p:par>
+        <p:cTn xmlns:p14="http://schemas.microsoft.com/office/powerpoint/2010/main" id="1" dur="indefinite" restart="never" nodeType="tmRoot"/>
+      </p:par>
+    </p:tnLst>
+  </p:timing>
 </p:sld>
 </file>
 
@@ -3486,7 +3513,7 @@
           <a:p>
             <a:r>
               <a:rPr lang="en-US" sz="2400" b="1" dirty="0">
-                <a:latin typeface="+mn-lt"/>
+                <a:latin typeface="Doctor Soos Bold"/>
               </a:rPr>
               <a:t>And create memories like these.… </a:t>
             </a:r>
@@ -3682,6 +3709,13 @@
   <p:clrMapOvr>
     <a:masterClrMapping/>
   </p:clrMapOvr>
+  <p:timing>
+    <p:tnLst>
+      <p:par>
+        <p:cTn xmlns:p14="http://schemas.microsoft.com/office/powerpoint/2010/main" id="1" dur="indefinite" restart="never" nodeType="tmRoot"/>
+      </p:par>
+    </p:tnLst>
+  </p:timing>
 </p:sld>
 </file>
 
@@ -3749,7 +3783,9 @@
           <a:p>
             <a:pPr algn="ctr"/>
             <a:r>
-              <a:rPr lang="en-US" dirty="0"/>
+              <a:rPr lang="en-US" dirty="0">
+                <a:latin typeface="Doctor Soos Bold"/>
+              </a:rPr>
               <a:t>The Design </a:t>
             </a:r>
           </a:p>
@@ -3771,7 +3807,9 @@
           <a:lstStyle/>
           <a:p>
             <a:r>
-              <a:rPr lang="en-US" u="sng" dirty="0"/>
+              <a:rPr lang="en-US" u="sng" dirty="0">
+                <a:latin typeface="Doctor Soos Bold"/>
+              </a:rPr>
               <a:t>Key Questions </a:t>
             </a:r>
           </a:p>
@@ -3793,7 +3831,9 @@
           <a:lstStyle/>
           <a:p>
             <a:r>
-              <a:rPr lang="en-US" dirty="0"/>
+              <a:rPr lang="en-US" dirty="0">
+                <a:latin typeface="Doctor Soos Bold"/>
+              </a:rPr>
               <a:t>Can it be used “on-the-go”?</a:t>
             </a:r>
           </a:p>
@@ -3801,23 +3841,31 @@
             <a:pPr marL="0" indent="0">
               <a:buNone/>
             </a:pPr>
-            <a:endParaRPr lang="en-US" dirty="0"/>
+            <a:endParaRPr lang="en-US" dirty="0">
+              <a:latin typeface="Doctor Soos Bold"/>
+            </a:endParaRPr>
           </a:p>
           <a:p>
             <a:pPr marL="0" indent="0">
               <a:buNone/>
             </a:pPr>
-            <a:endParaRPr lang="en-US" dirty="0"/>
+            <a:endParaRPr lang="en-US" dirty="0">
+              <a:latin typeface="Doctor Soos Bold"/>
+            </a:endParaRPr>
           </a:p>
           <a:p>
             <a:pPr marL="0" indent="0">
               <a:buNone/>
             </a:pPr>
-            <a:endParaRPr lang="en-US" dirty="0"/>
-          </a:p>
-          <a:p>
-            <a:r>
-              <a:rPr lang="en-US" dirty="0"/>
+            <a:endParaRPr lang="en-US" dirty="0">
+              <a:latin typeface="Doctor Soos Bold"/>
+            </a:endParaRPr>
+          </a:p>
+          <a:p>
+            <a:r>
+              <a:rPr lang="en-US" dirty="0">
+                <a:latin typeface="Doctor Soos Bold"/>
+              </a:rPr>
               <a:t>Is the information provided fast, easy and convenient to obtain and make a quick decision?</a:t>
             </a:r>
           </a:p>
@@ -3878,13 +3926,17 @@
           <a:lstStyle/>
           <a:p>
             <a:r>
-              <a:rPr lang="en-US" dirty="0"/>
+              <a:rPr lang="en-US" dirty="0">
+                <a:latin typeface="Doctor Soos Bold"/>
+              </a:rPr>
               <a:t>Mobile responsiveness</a:t>
             </a:r>
           </a:p>
           <a:p>
             <a:r>
-              <a:rPr lang="en-US" dirty="0"/>
+              <a:rPr lang="en-US" dirty="0">
+                <a:latin typeface="Doctor Soos Bold"/>
+              </a:rPr>
               <a:t>Location and weather specific to address or zip-code </a:t>
             </a:r>
           </a:p>
@@ -3892,34 +3944,56 @@
             <a:pPr marL="0" indent="0">
               <a:buNone/>
             </a:pPr>
-            <a:endParaRPr lang="en-US" dirty="0"/>
-          </a:p>
-          <a:p>
-            <a:r>
-              <a:rPr lang="en-US" dirty="0"/>
+            <a:endParaRPr lang="en-US" dirty="0">
+              <a:latin typeface="Doctor Soos Bold"/>
+            </a:endParaRPr>
+          </a:p>
+          <a:p>
+            <a:r>
+              <a:rPr lang="en-US" dirty="0">
+                <a:latin typeface="Doctor Soos Bold"/>
+              </a:rPr>
               <a:t>Information provided:</a:t>
             </a:r>
           </a:p>
           <a:p>
             <a:pPr lvl="1"/>
             <a:r>
-              <a:rPr lang="en-US" dirty="0"/>
+              <a:rPr lang="en-US" dirty="0">
+                <a:latin typeface="Doctor Soos Bold"/>
+              </a:rPr>
               <a:t>Weather </a:t>
             </a:r>
           </a:p>
           <a:p>
             <a:pPr lvl="1"/>
             <a:r>
-              <a:rPr lang="en-US" dirty="0"/>
+              <a:rPr lang="en-US" dirty="0" smtClean="0">
+                <a:latin typeface="Doctor Soos Bold"/>
+              </a:rPr>
               <a:t>Address</a:t>
             </a:r>
+            <a:endParaRPr lang="en-US" dirty="0">
+              <a:latin typeface="Doctor Soos Bold"/>
+            </a:endParaRPr>
           </a:p>
           <a:p>
             <a:pPr lvl="1"/>
             <a:r>
-              <a:rPr lang="en-US" dirty="0"/>
-              <a:t>Information overview of accessibility </a:t>
-            </a:r>
+              <a:rPr lang="en-US" dirty="0">
+                <a:latin typeface="Doctor Soos Bold"/>
+              </a:rPr>
+              <a:t>Information overview </a:t>
+            </a:r>
+            <a:r>
+              <a:rPr lang="en-US" dirty="0" smtClean="0">
+                <a:latin typeface="Doctor Soos Bold"/>
+              </a:rPr>
+              <a:t>with accessibility </a:t>
+            </a:r>
+            <a:endParaRPr lang="en-US" dirty="0">
+              <a:latin typeface="Doctor Soos Bold"/>
+            </a:endParaRPr>
           </a:p>
         </p:txBody>
       </p:sp>
@@ -3936,7 +4010,7 @@
   <p:timing>
     <p:tnLst>
       <p:par>
-        <p:cTn id="1" dur="indefinite" restart="never" nodeType="tmRoot">
+        <p:cTn xmlns:p14="http://schemas.microsoft.com/office/powerpoint/2010/main" id="1" dur="indefinite" restart="never" nodeType="tmRoot">
           <p:childTnLst>
             <p:seq concurrent="1" nextAc="seek">
               <p:cTn id="2" dur="indefinite" nodeType="mainSeq">
@@ -4240,36 +4314,25 @@
           </a:xfrm>
         </p:spPr>
         <p:txBody>
-          <a:bodyPr/>
-          <a:lstStyle/>
-          <a:p>
-            <a:pPr algn="ctr"/>
-            <a:r>
-              <a:rPr lang="en-US" dirty="0"/>
+          <a:bodyPr>
+            <a:noAutofit/>
+          </a:bodyPr>
+          <a:lstStyle/>
+          <a:p>
+            <a:pPr>
+              <a:spcBef>
+                <a:spcPts val="1000"/>
+              </a:spcBef>
+              <a:buFont typeface="Arial" panose="020B0604020202020204" pitchFamily="34" charset="0"/>
+            </a:pPr>
+            <a:r>
+              <a:rPr lang="en-US" sz="3600" u="sng" dirty="0">
+                <a:latin typeface="Doctor Soos Bold"/>
+                <a:ea typeface="+mn-ea"/>
+                <a:cs typeface="+mn-cs"/>
+              </a:rPr>
               <a:t>The Functionality </a:t>
             </a:r>
-          </a:p>
-        </p:txBody>
-      </p:sp>
-      <p:sp>
-        <p:nvSpPr>
-          <p:cNvPr id="10" name="Content Placeholder 9"/>
-          <p:cNvSpPr>
-            <a:spLocks noGrp="1"/>
-          </p:cNvSpPr>
-          <p:nvPr>
-            <p:ph idx="1"/>
-          </p:nvPr>
-        </p:nvSpPr>
-        <p:spPr/>
-        <p:txBody>
-          <a:bodyPr/>
-          <a:lstStyle/>
-          <a:p>
-            <a:pPr marL="0" indent="0">
-              <a:buNone/>
-            </a:pPr>
-            <a:endParaRPr lang="en-US" dirty="0"/>
           </a:p>
         </p:txBody>
       </p:sp>
@@ -4291,8 +4354,10 @@
           <a:lstStyle/>
           <a:p>
             <a:r>
-              <a:rPr lang="en-US" u="sng" dirty="0"/>
-              <a:t>Features:</a:t>
+              <a:rPr lang="en-US" u="sng" dirty="0" smtClean="0">
+                <a:latin typeface="Doctor Soos Bold"/>
+              </a:rPr>
+              <a:t>Features Technology:</a:t>
             </a:r>
           </a:p>
           <a:p>
@@ -4301,7 +4366,9 @@
               <a:buChar char="•"/>
             </a:pPr>
             <a:r>
-              <a:rPr lang="en-US" dirty="0"/>
+              <a:rPr lang="en-US" dirty="0" smtClean="0">
+                <a:latin typeface="Doctor Soos Bold"/>
+              </a:rPr>
               <a:t>Mobile responsiveness </a:t>
             </a:r>
           </a:p>
@@ -4311,8 +4378,10 @@
               <a:buChar char="•"/>
             </a:pPr>
             <a:r>
-              <a:rPr lang="en-US" dirty="0"/>
-              <a:t>Custom CSS &amp; Bootstrap</a:t>
+              <a:rPr lang="en-US" dirty="0" smtClean="0">
+                <a:latin typeface="Doctor Soos Bold"/>
+              </a:rPr>
+              <a:t>Custom CSS/Bootstrap</a:t>
             </a:r>
           </a:p>
           <a:p>
@@ -4321,7 +4390,9 @@
               <a:buChar char="•"/>
             </a:pPr>
             <a:r>
-              <a:rPr lang="en-US" dirty="0"/>
+              <a:rPr lang="en-US" dirty="0" smtClean="0">
+                <a:latin typeface="Doctor Soos Bold"/>
+              </a:rPr>
               <a:t>Location search box </a:t>
             </a:r>
           </a:p>
@@ -4331,7 +4402,9 @@
               <a:buChar char="•"/>
             </a:pPr>
             <a:r>
-              <a:rPr lang="en-US" dirty="0"/>
+              <a:rPr lang="en-US" dirty="0" smtClean="0">
+                <a:latin typeface="Doctor Soos Bold"/>
+              </a:rPr>
               <a:t>Google Maps API</a:t>
             </a:r>
           </a:p>
@@ -4341,7 +4414,9 @@
               <a:buChar char="•"/>
             </a:pPr>
             <a:r>
-              <a:rPr lang="en-US" dirty="0"/>
+              <a:rPr lang="en-US" dirty="0" smtClean="0">
+                <a:latin typeface="Doctor Soos Bold"/>
+              </a:rPr>
               <a:t>Open Weather API </a:t>
             </a:r>
           </a:p>
@@ -4351,12 +4426,47 @@
               <a:buChar char="•"/>
             </a:pPr>
             <a:r>
-              <a:rPr lang="en-US" dirty="0"/>
+              <a:rPr lang="en-US" dirty="0" smtClean="0">
+                <a:latin typeface="Doctor Soos Bold"/>
+              </a:rPr>
               <a:t>Firebase </a:t>
             </a:r>
-          </a:p>
-        </p:txBody>
-      </p:sp>
+            <a:endParaRPr lang="en-US" dirty="0">
+              <a:latin typeface="Doctor Soos Bold"/>
+            </a:endParaRPr>
+          </a:p>
+        </p:txBody>
+      </p:sp>
+      <p:pic>
+        <p:nvPicPr>
+          <p:cNvPr id="9" name="Content Placeholder 8" descr="Screen Shot 2017-04-04 at 6.16.14 PM.png"/>
+          <p:cNvPicPr>
+            <a:picLocks noGrp="1" noChangeAspect="1"/>
+          </p:cNvPicPr>
+          <p:nvPr>
+            <p:ph idx="1"/>
+          </p:nvPr>
+        </p:nvPicPr>
+        <p:blipFill>
+          <a:blip r:embed="rId2">
+            <a:extLst>
+              <a:ext uri="{28A0092B-C50C-407E-A947-70E740481C1C}">
+                <a14:useLocalDpi xmlns:a14="http://schemas.microsoft.com/office/drawing/2010/main" val="0"/>
+              </a:ext>
+            </a:extLst>
+          </a:blip>
+          <a:srcRect t="3855" b="3855"/>
+          <a:stretch>
+            <a:fillRect/>
+          </a:stretch>
+        </p:blipFill>
+        <p:spPr>
+          <a:xfrm>
+            <a:off x="5183188" y="987425"/>
+            <a:ext cx="6172200" cy="4550711"/>
+          </a:xfrm>
+        </p:spPr>
+      </p:pic>
     </p:spTree>
     <p:extLst>
       <p:ext uri="{BB962C8B-B14F-4D97-AF65-F5344CB8AC3E}">
@@ -4367,6 +4477,13 @@
   <p:clrMapOvr>
     <a:masterClrMapping/>
   </p:clrMapOvr>
+  <p:timing>
+    <p:tnLst>
+      <p:par>
+        <p:cTn xmlns:p14="http://schemas.microsoft.com/office/powerpoint/2010/main" id="1" dur="indefinite" restart="never" nodeType="tmRoot"/>
+      </p:par>
+    </p:tnLst>
+  </p:timing>
 </p:sld>
 </file>
 
@@ -4440,10 +4557,11 @@
           <a:lstStyle/>
           <a:p>
             <a:r>
-              <a:rPr lang="en-US"/>
+              <a:rPr lang="en-US" dirty="0">
+                <a:latin typeface="Doctor Soos Bold"/>
+              </a:rPr>
               <a:t>The Future</a:t>
             </a:r>
-            <a:endParaRPr lang="en-US" dirty="0"/>
           </a:p>
         </p:txBody>
       </p:sp>
@@ -4470,35 +4588,50 @@
           <a:lstStyle/>
           <a:p>
             <a:r>
-              <a:rPr lang="en-US" sz="2000" dirty="0"/>
+              <a:rPr lang="en-US" sz="2000" dirty="0">
+                <a:latin typeface="Doctor Soos Bold"/>
+                <a:cs typeface="Apple Chancery"/>
+              </a:rPr>
               <a:t>Increase the data provided. </a:t>
             </a:r>
           </a:p>
           <a:p>
             <a:pPr lvl="1"/>
             <a:r>
-              <a:rPr lang="en-US" sz="2000" dirty="0"/>
+              <a:rPr lang="en-US" sz="2000" dirty="0">
+                <a:latin typeface="Doctor Soos Bold"/>
+                <a:cs typeface="Apple Chancery"/>
+              </a:rPr>
               <a:t>Nearby kid-friendly restaurants, attractions and entertainment venues</a:t>
             </a:r>
           </a:p>
           <a:p>
             <a:pPr lvl="1"/>
             <a:r>
-              <a:rPr lang="en-US" sz="2000" dirty="0"/>
+              <a:rPr lang="en-US" sz="2000" dirty="0">
+                <a:latin typeface="Doctor Soos Bold"/>
+                <a:cs typeface="Apple Chancery"/>
+              </a:rPr>
               <a:t> Fun facts about the area</a:t>
             </a:r>
           </a:p>
           <a:p>
             <a:pPr lvl="1"/>
             <a:r>
-              <a:rPr lang="en-US" sz="2000" dirty="0"/>
+              <a:rPr lang="en-US" sz="2000" dirty="0">
+                <a:latin typeface="Doctor Soos Bold"/>
+                <a:cs typeface="Apple Chancery"/>
+              </a:rPr>
               <a:t>Safety and health inspection reports on playground facilities (if provided)]</a:t>
             </a:r>
           </a:p>
           <a:p>
             <a:pPr lvl="1"/>
             <a:r>
-              <a:rPr lang="en-US" sz="2000" dirty="0"/>
+              <a:rPr lang="en-US" sz="2000" dirty="0">
+                <a:latin typeface="Doctor Soos Bold"/>
+                <a:cs typeface="Apple Chancery"/>
+              </a:rPr>
               <a:t>Increase the data provided</a:t>
             </a:r>
           </a:p>
@@ -4506,20 +4639,50 @@
             <a:pPr marL="457200" lvl="1" indent="0">
               <a:buNone/>
             </a:pPr>
-            <a:endParaRPr lang="en-US" sz="2000" dirty="0"/>
-          </a:p>
-          <a:p>
-            <a:r>
-              <a:rPr lang="en-US" sz="2000" dirty="0"/>
+            <a:endParaRPr lang="en-US" sz="2000" dirty="0">
+              <a:latin typeface="Doctor Soos Bold"/>
+              <a:cs typeface="Apple Chancery"/>
+            </a:endParaRPr>
+          </a:p>
+          <a:p>
+            <a:r>
+              <a:rPr lang="en-US" sz="2000" dirty="0">
+                <a:latin typeface="Doctor Soos Bold"/>
+                <a:cs typeface="Apple Chancery"/>
+              </a:rPr>
               <a:t>Enhance the user-experience</a:t>
             </a:r>
           </a:p>
           <a:p>
             <a:pPr lvl="1"/>
             <a:r>
-              <a:rPr lang="en-US" sz="2000" dirty="0"/>
-              <a:t>Create a form for reviews</a:t>
-            </a:r>
+              <a:rPr lang="en-US" sz="2000" dirty="0">
+                <a:latin typeface="Doctor Soos Bold"/>
+                <a:cs typeface="Apple Chancery"/>
+              </a:rPr>
+              <a:t>Create a form for </a:t>
+            </a:r>
+            <a:r>
+              <a:rPr lang="en-US" sz="2000" dirty="0" smtClean="0">
+                <a:latin typeface="Doctor Soos Bold"/>
+                <a:cs typeface="Apple Chancery"/>
+              </a:rPr>
+              <a:t>reviews</a:t>
+            </a:r>
+          </a:p>
+          <a:p>
+            <a:pPr lvl="1"/>
+            <a:r>
+              <a:rPr lang="en-US" sz="2000" dirty="0" smtClean="0">
+                <a:latin typeface="Doctor Soos Bold"/>
+                <a:cs typeface="Apple Chancery"/>
+              </a:rPr>
+              <a:t>Login and membership requirements </a:t>
+            </a:r>
+            <a:endParaRPr lang="en-US" sz="2000" dirty="0">
+              <a:latin typeface="Doctor Soos Bold"/>
+              <a:cs typeface="Apple Chancery"/>
+            </a:endParaRPr>
           </a:p>
           <a:p>
             <a:pPr marL="457200" lvl="1" indent="0">
@@ -4548,7 +4711,7 @@
   <p:timing>
     <p:tnLst>
       <p:par>
-        <p:cTn id="1" dur="indefinite" restart="never" nodeType="tmRoot">
+        <p:cTn xmlns:p14="http://schemas.microsoft.com/office/powerpoint/2010/main" id="1" dur="indefinite" restart="never" nodeType="tmRoot">
           <p:childTnLst>
             <p:seq concurrent="1" nextAc="seek">
               <p:cTn id="2" dur="indefinite" nodeType="mainSeq">
@@ -4798,6 +4961,55 @@
                       </p:childTnLst>
                     </p:cTn>
                   </p:par>
+                  <p:par>
+                    <p:cTn id="23" fill="hold">
+                      <p:stCondLst>
+                        <p:cond delay="indefinite"/>
+                      </p:stCondLst>
+                      <p:childTnLst>
+                        <p:par>
+                          <p:cTn id="24" fill="hold">
+                            <p:stCondLst>
+                              <p:cond delay="0"/>
+                            </p:stCondLst>
+                            <p:childTnLst>
+                              <p:par>
+                                <p:cTn id="25" presetID="1" presetClass="entr" presetSubtype="0" fill="hold" nodeType="clickEffect">
+                                  <p:stCondLst>
+                                    <p:cond delay="1000"/>
+                                  </p:stCondLst>
+                                  <p:childTnLst>
+                                    <p:set>
+                                      <p:cBhvr>
+                                        <p:cTn id="26" dur="1" fill="hold">
+                                          <p:stCondLst>
+                                            <p:cond delay="0"/>
+                                          </p:stCondLst>
+                                        </p:cTn>
+                                        <p:tgtEl>
+                                          <p:spTgt spid="3">
+                                            <p:txEl>
+                                              <p:pRg st="8" end="8"/>
+                                            </p:txEl>
+                                          </p:spTgt>
+                                        </p:tgtEl>
+                                        <p:attrNameLst>
+                                          <p:attrName>style.visibility</p:attrName>
+                                        </p:attrNameLst>
+                                      </p:cBhvr>
+                                      <p:to>
+                                        <p:strVal val="visible"/>
+                                      </p:to>
+                                    </p:set>
+                                  </p:childTnLst>
+                                </p:cTn>
+                              </p:par>
+                            </p:childTnLst>
+                          </p:cTn>
+                        </p:par>
+                      </p:childTnLst>
+                    </p:cTn>
+                  </p:par>
                 </p:childTnLst>
               </p:cTn>
               <p:prevCondLst>
@@ -4880,6 +5092,13 @@
   <p:clrMapOvr>
     <a:masterClrMapping/>
   </p:clrMapOvr>
+  <p:timing>
+    <p:tnLst>
+      <p:par>
+        <p:cTn xmlns:p14="http://schemas.microsoft.com/office/powerpoint/2010/main" id="1" dur="indefinite" restart="never" nodeType="tmRoot"/>
+      </p:par>
+    </p:tnLst>
+  </p:timing>
 </p:sld>
 </file>
 
@@ -4926,7 +5145,7 @@
     </a:clrScheme>
     <a:fontScheme name="Office">
       <a:majorFont>
-        <a:latin typeface="Calibri Light" panose="020F0302020204030204"/>
+        <a:latin typeface="Calibri Light"/>
         <a:ea typeface=""/>
         <a:cs typeface=""/>
         <a:font script="Jpan" typeface="游ゴシック Light"/>
@@ -4978,7 +5197,7 @@
         <a:font script="Tfng" typeface="Ebrima"/>
       </a:majorFont>
       <a:minorFont>
-        <a:latin typeface="Calibri" panose="020F0502020204030204"/>
+        <a:latin typeface="Calibri"/>
         <a:ea typeface=""/>
         <a:cs typeface=""/>
         <a:font script="Jpan" typeface="游ゴシック"/>
@@ -5172,7 +5391,7 @@
   <a:extraClrSchemeLst/>
   <a:extLst>
     <a:ext uri="{05A4C25C-085E-4340-85A3-A5531E510DB2}">
-      <thm15:themeFamily xmlns:thm15="http://schemas.microsoft.com/office/thememl/2012/main" name="Office Theme" id="{62F939B6-93AF-4DB8-9C6B-D6C7DFDC589F}" vid="{4A3C46E8-61CC-4603-A589-7422A47A8E4A}"/>
+      <thm15:themeFamily xmlns:thm15="http://schemas.microsoft.com/office/thememl/2012/main" xmlns="" name="Office Theme" id="{62F939B6-93AF-4DB8-9C6B-D6C7DFDC589F}" vid="{4A3C46E8-61CC-4603-A589-7422A47A8E4A}"/>
     </a:ext>
   </a:extLst>
 </a:theme>

--- a/Playground Adventures!.pptx
+++ b/Playground Adventures!.pptx
@@ -3515,8 +3515,29 @@
               <a:rPr lang="en-US" sz="2400" b="1" dirty="0">
                 <a:latin typeface="Doctor Soos Bold"/>
               </a:rPr>
-              <a:t>And create memories like these.… </a:t>
-            </a:r>
+              <a:t>And create memories like </a:t>
+            </a:r>
+            <a:r>
+              <a:rPr lang="en-US" sz="2400" b="1" dirty="0" smtClean="0">
+                <a:latin typeface="Doctor Soos Bold"/>
+              </a:rPr>
+              <a:t>these</a:t>
+            </a:r>
+            <a:r>
+              <a:rPr lang="mr-IN" sz="2400" b="1" dirty="0" smtClean="0">
+                <a:latin typeface="Doctor Soos Bold"/>
+              </a:rPr>
+              <a:t>…</a:t>
+            </a:r>
+            <a:r>
+              <a:rPr lang="en-US" sz="2400" b="1" dirty="0" smtClean="0">
+                <a:latin typeface="Doctor Soos Bold"/>
+              </a:rPr>
+              <a:t>… </a:t>
+            </a:r>
+            <a:endParaRPr lang="en-US" sz="2400" b="1" dirty="0">
+              <a:latin typeface="Doctor Soos Bold"/>
+            </a:endParaRPr>
           </a:p>
         </p:txBody>
       </p:sp>
@@ -3866,7 +3887,31 @@
               <a:rPr lang="en-US" dirty="0">
                 <a:latin typeface="Doctor Soos Bold"/>
               </a:rPr>
-              <a:t>Is the information provided fast, easy and convenient to obtain and make a quick decision?</a:t>
+              <a:t>Is the information provided fast, </a:t>
+            </a:r>
+            <a:r>
+              <a:rPr lang="en-US" dirty="0" smtClean="0">
+                <a:latin typeface="Doctor Soos Bold"/>
+              </a:rPr>
+              <a:t>easily </a:t>
+            </a:r>
+            <a:r>
+              <a:rPr lang="en-US" dirty="0">
+                <a:latin typeface="Doctor Soos Bold"/>
+              </a:rPr>
+              <a:t>and </a:t>
+            </a:r>
+            <a:r>
+              <a:rPr lang="en-US" dirty="0" smtClean="0">
+                <a:latin typeface="Doctor Soos Bold"/>
+              </a:rPr>
+              <a:t>conveniently </a:t>
+            </a:r>
+            <a:r>
+              <a:rPr lang="en-US" dirty="0">
+                <a:latin typeface="Doctor Soos Bold"/>
+              </a:rPr>
+              <a:t>to obtain and make a quick decision?</a:t>
             </a:r>
           </a:p>
           <a:p>
@@ -4326,7 +4371,7 @@
               <a:buFont typeface="Arial" panose="020B0604020202020204" pitchFamily="34" charset="0"/>
             </a:pPr>
             <a:r>
-              <a:rPr lang="en-US" sz="3600" u="sng" dirty="0">
+              <a:rPr lang="en-US" sz="3600" dirty="0">
                 <a:latin typeface="Doctor Soos Bold"/>
                 <a:ea typeface="+mn-ea"/>
                 <a:cs typeface="+mn-cs"/>
@@ -4628,12 +4673,16 @@
           <a:p>
             <a:pPr lvl="1"/>
             <a:r>
-              <a:rPr lang="en-US" sz="2000" dirty="0">
+              <a:rPr lang="en-US" sz="2000" dirty="0" smtClean="0">
                 <a:latin typeface="Doctor Soos Bold"/>
                 <a:cs typeface="Apple Chancery"/>
               </a:rPr>
-              <a:t>Increase the data provided</a:t>
-            </a:r>
+              <a:t>Increase location specific information</a:t>
+            </a:r>
+            <a:endParaRPr lang="en-US" sz="2000" dirty="0">
+              <a:latin typeface="Doctor Soos Bold"/>
+              <a:cs typeface="Apple Chancery"/>
+            </a:endParaRPr>
           </a:p>
           <a:p>
             <a:pPr marL="457200" lvl="1" indent="0">
@@ -5391,7 +5440,7 @@
   <a:extraClrSchemeLst/>
   <a:extLst>
     <a:ext uri="{05A4C25C-085E-4340-85A3-A5531E510DB2}">
-      <thm15:themeFamily xmlns:thm15="http://schemas.microsoft.com/office/thememl/2012/main" xmlns="" name="Office Theme" id="{62F939B6-93AF-4DB8-9C6B-D6C7DFDC589F}" vid="{4A3C46E8-61CC-4603-A589-7422A47A8E4A}"/>
+      <thm15:themeFamily xmlns="" xmlns:thm15="http://schemas.microsoft.com/office/thememl/2012/main" name="Office Theme" id="{62F939B6-93AF-4DB8-9C6B-D6C7DFDC589F}" vid="{4A3C46E8-61CC-4603-A589-7422A47A8E4A}"/>
     </a:ext>
   </a:extLst>
 </a:theme>
